--- a/slides/LLMs/08 Transfer learning (finetunning).pptx
+++ b/slides/LLMs/08 Transfer learning (finetunning).pptx
@@ -5,10 +5,10 @@
     <p:sldMasterId id="2147483648" r:id="rId1"/>
   </p:sldMasterIdLst>
   <p:notesMasterIdLst>
-    <p:notesMasterId r:id="rId43"/>
+    <p:notesMasterId r:id="rId45"/>
   </p:notesMasterIdLst>
   <p:handoutMasterIdLst>
-    <p:handoutMasterId r:id="rId44"/>
+    <p:handoutMasterId r:id="rId46"/>
   </p:handoutMasterIdLst>
   <p:sldIdLst>
     <p:sldId id="256" r:id="rId3"/>
@@ -28,29 +28,31 @@
     <p:sldId id="1329" r:id="rId17"/>
     <p:sldId id="1330" r:id="rId18"/>
     <p:sldId id="1340" r:id="rId19"/>
-    <p:sldId id="1331" r:id="rId20"/>
-    <p:sldId id="1341" r:id="rId21"/>
-    <p:sldId id="1343" r:id="rId22"/>
-    <p:sldId id="1345" r:id="rId23"/>
-    <p:sldId id="1346" r:id="rId24"/>
-    <p:sldId id="1355" r:id="rId25"/>
-    <p:sldId id="1344" r:id="rId26"/>
-    <p:sldId id="1349" r:id="rId27"/>
-    <p:sldId id="1350" r:id="rId28"/>
-    <p:sldId id="1351" r:id="rId29"/>
-    <p:sldId id="1352" r:id="rId30"/>
-    <p:sldId id="1347" r:id="rId31"/>
-    <p:sldId id="1348" r:id="rId32"/>
-    <p:sldId id="1353" r:id="rId33"/>
-    <p:sldId id="1354" r:id="rId34"/>
-    <p:sldId id="1356" r:id="rId35"/>
-    <p:sldId id="1357" r:id="rId36"/>
-    <p:sldId id="1358" r:id="rId37"/>
-    <p:sldId id="1359" r:id="rId38"/>
-    <p:sldId id="1360" r:id="rId39"/>
-    <p:sldId id="1361" r:id="rId40"/>
-    <p:sldId id="1364" r:id="rId41"/>
-    <p:sldId id="1315" r:id="rId42"/>
+    <p:sldId id="1373" r:id="rId20"/>
+    <p:sldId id="1331" r:id="rId21"/>
+    <p:sldId id="1341" r:id="rId22"/>
+    <p:sldId id="1343" r:id="rId23"/>
+    <p:sldId id="1345" r:id="rId24"/>
+    <p:sldId id="1346" r:id="rId25"/>
+    <p:sldId id="1355" r:id="rId26"/>
+    <p:sldId id="1374" r:id="rId27"/>
+    <p:sldId id="1344" r:id="rId28"/>
+    <p:sldId id="1349" r:id="rId29"/>
+    <p:sldId id="1350" r:id="rId30"/>
+    <p:sldId id="1351" r:id="rId31"/>
+    <p:sldId id="1352" r:id="rId32"/>
+    <p:sldId id="1347" r:id="rId33"/>
+    <p:sldId id="1348" r:id="rId34"/>
+    <p:sldId id="1353" r:id="rId35"/>
+    <p:sldId id="1354" r:id="rId36"/>
+    <p:sldId id="1356" r:id="rId37"/>
+    <p:sldId id="1357" r:id="rId38"/>
+    <p:sldId id="1358" r:id="rId39"/>
+    <p:sldId id="1359" r:id="rId40"/>
+    <p:sldId id="1360" r:id="rId41"/>
+    <p:sldId id="1361" r:id="rId42"/>
+    <p:sldId id="1364" r:id="rId43"/>
+    <p:sldId id="1315" r:id="rId44"/>
   </p:sldIdLst>
   <p:sldSz cx="12192000" cy="6858000"/>
   <p:notesSz cx="6858000" cy="9144000"/>
@@ -3697,18 +3699,24 @@
           </a:xfrm>
         </p:spPr>
         <p:txBody>
-          <a:bodyPr/>
+          <a:bodyPr>
+            <a:noAutofit/>
+          </a:bodyPr>
           <a:lstStyle/>
           <a:p>
             <a:r>
-              <a:rPr lang="en-US">
+              <a:rPr lang="en-US" sz="4000">
                 <a:latin typeface="+mj-lt"/>
                 <a:cs typeface="+mj-cs"/>
                 <a:sym typeface="+mn-ea"/>
               </a:rPr>
               <a:t>Transfer learning </a:t>
             </a:r>
-            <a:endParaRPr lang="en-US" altLang="en-US"/>
+            <a:endParaRPr lang="en-US" altLang="en-US" sz="4000">
+              <a:latin typeface="+mj-lt"/>
+              <a:cs typeface="+mj-cs"/>
+              <a:sym typeface="+mn-ea"/>
+            </a:endParaRPr>
           </a:p>
         </p:txBody>
       </p:sp>
@@ -3807,7 +3815,7 @@
         </p:spPr>
         <p:txBody>
           <a:bodyPr vert="horz" wrap="square" lIns="91440" tIns="45720" rIns="91440" bIns="45720" numCol="1" rtlCol="0" anchor="b" anchorCtr="0" compatLnSpc="1">
-            <a:normAutofit/>
+            <a:normAutofit fontScale="90000"/>
           </a:bodyPr>
           <a:lstStyle/>
           <a:p>
@@ -3819,7 +3827,26 @@
                 <a:latin typeface="+mj-lt"/>
                 <a:cs typeface="+mj-cs"/>
               </a:rPr>
-              <a:t>Frozen and trainable layers </a:t>
+              <a:t>Frozen and trainable layers</a:t>
+            </a:r>
+            <a:br>
+              <a:rPr lang="en-US" sz="6100" kern="1200">
+                <a:solidFill>
+                  <a:schemeClr val="tx1"/>
+                </a:solidFill>
+                <a:latin typeface="+mj-lt"/>
+                <a:cs typeface="+mj-cs"/>
+              </a:rPr>
+            </a:br>
+            <a:r>
+              <a:rPr lang="en-US" sz="6100" kern="1200">
+                <a:solidFill>
+                  <a:schemeClr val="tx1"/>
+                </a:solidFill>
+                <a:latin typeface="+mj-lt"/>
+                <a:cs typeface="+mj-cs"/>
+              </a:rPr>
+              <a:t>in CNN </a:t>
             </a:r>
             <a:endParaRPr lang="en-US" sz="6100" kern="1200">
               <a:solidFill>
@@ -7201,69 +7228,29 @@
             <p:ph type="title"/>
           </p:nvPr>
         </p:nvSpPr>
-        <p:spPr/>
-        <p:txBody>
-          <a:bodyPr/>
-          <a:p>
-            <a:r>
-              <a:rPr lang="en-US">
-                <a:sym typeface="+mn-ea"/>
-              </a:rPr>
-              <a:t>Choosing the Right Strategy</a:t>
-            </a:r>
-            <a:endParaRPr lang="en-US"/>
-          </a:p>
-        </p:txBody>
-      </p:sp>
-      <p:sp>
-        <p:nvSpPr>
-          <p:cNvPr id="3" name="Content Placeholder 2"/>
-          <p:cNvSpPr>
-            <a:spLocks noGrp="1"/>
-          </p:cNvSpPr>
-          <p:nvPr>
-            <p:ph idx="1"/>
-          </p:nvPr>
-        </p:nvSpPr>
-        <p:spPr/>
+        <p:spPr>
+          <a:xfrm>
+            <a:off x="8610600" y="3039745"/>
+            <a:ext cx="2980690" cy="1325880"/>
+          </a:xfrm>
+        </p:spPr>
         <p:txBody>
           <a:bodyPr>
-            <a:normAutofit/>
+            <a:normAutofit fontScale="90000"/>
           </a:bodyPr>
           <a:p>
             <a:r>
-              <a:rPr lang="en-US"/>
-              <a:t>Choosing the best strategy depends on:</a:t>
-            </a:r>
-            <a:endParaRPr lang="en-US"/>
-          </a:p>
-          <a:p>
-            <a:pPr lvl="1"/>
-            <a:endParaRPr lang="en-US"/>
-          </a:p>
-          <a:p>
-            <a:pPr lvl="1"/>
-            <a:r>
-              <a:rPr lang="en-US"/>
-              <a:t>Data Size: Full fine-tuning requires large datasets; smaller datasets work better with partial or adapter-based methods.</a:t>
-            </a:r>
-            <a:endParaRPr lang="en-US"/>
-          </a:p>
-          <a:p>
-            <a:pPr lvl="1"/>
-            <a:r>
-              <a:rPr lang="en-US"/>
-              <a:t>Computational Constraints: Adapters and prompt tuning are less resource-intensive.</a:t>
-            </a:r>
-            <a:endParaRPr lang="en-US"/>
-          </a:p>
-          <a:p>
-            <a:pPr lvl="1"/>
-            <a:r>
-              <a:rPr lang="en-US"/>
-              <a:t>Domain Specificity: If the target domain is highly specialized, strategies that allow some adaptation of word embeddings or higher layers (like fine-tuning the last few layers) may work best.</a:t>
-            </a:r>
-            <a:endParaRPr lang="en-US"/>
+              <a:rPr lang="en-US" altLang="en-GB"/>
+              <a:t>Fine-tunning </a:t>
+            </a:r>
+            <a:br>
+              <a:rPr lang="en-US" altLang="en-GB"/>
+            </a:br>
+            <a:r>
+              <a:rPr lang="en-US" altLang="en-GB"/>
+              <a:t>Summary </a:t>
+            </a:r>
+            <a:endParaRPr lang="en-US" altLang="en-GB"/>
           </a:p>
         </p:txBody>
       </p:sp>
@@ -7288,6 +7275,29 @@
           </a:p>
         </p:txBody>
       </p:sp>
+      <p:pic>
+        <p:nvPicPr>
+          <p:cNvPr id="5" name="Picture 4"/>
+          <p:cNvPicPr/>
+          <p:nvPr/>
+        </p:nvPicPr>
+        <p:blipFill>
+          <a:blip r:embed="rId1"/>
+          <a:srcRect b="19810"/>
+          <a:stretch>
+            <a:fillRect/>
+          </a:stretch>
+        </p:blipFill>
+        <p:spPr>
+          <a:xfrm>
+            <a:off x="589280" y="1042670"/>
+            <a:ext cx="7670800" cy="5035550"/>
+          </a:xfrm>
+          <a:prstGeom prst="rect">
+            <a:avLst/>
+          </a:prstGeom>
+        </p:spPr>
+      </p:pic>
     </p:spTree>
   </p:cSld>
   <p:clrMapOvr>
@@ -7321,84 +7331,64 @@
           <a:bodyPr/>
           <a:p>
             <a:r>
+              <a:rPr lang="en-US">
+                <a:sym typeface="+mn-ea"/>
+              </a:rPr>
+              <a:t>Choosing the Right Strategy</a:t>
+            </a:r>
+            <a:endParaRPr lang="en-US"/>
+          </a:p>
+        </p:txBody>
+      </p:sp>
+      <p:sp>
+        <p:nvSpPr>
+          <p:cNvPr id="3" name="Content Placeholder 2"/>
+          <p:cNvSpPr>
+            <a:spLocks noGrp="1"/>
+          </p:cNvSpPr>
+          <p:nvPr>
+            <p:ph idx="1"/>
+          </p:nvPr>
+        </p:nvSpPr>
+        <p:spPr/>
+        <p:txBody>
+          <a:bodyPr>
+            <a:normAutofit/>
+          </a:bodyPr>
+          <a:p>
+            <a:r>
               <a:rPr lang="en-US"/>
-              <a:t>Small LLMs (Distilled Models) </a:t>
-            </a:r>
-            <a:endParaRPr lang="en-US"/>
-          </a:p>
-        </p:txBody>
-      </p:sp>
-      <p:sp>
-        <p:nvSpPr>
-          <p:cNvPr id="3" name="Content Placeholder 2"/>
-          <p:cNvSpPr>
-            <a:spLocks noGrp="1"/>
-          </p:cNvSpPr>
-          <p:nvPr>
-            <p:ph idx="1"/>
-          </p:nvPr>
-        </p:nvSpPr>
-        <p:spPr/>
-        <p:txBody>
-          <a:bodyPr/>
-          <a:p>
-            <a:r>
-              <a:rPr lang="en-US" sz="2400"/>
-              <a:t>Definition: Language Models with fewer parameters compared to large-scale models like</a:t>
-            </a:r>
-            <a:endParaRPr lang="en-US" sz="2400"/>
-          </a:p>
-          <a:p>
-            <a:r>
-              <a:rPr lang="en-US" sz="2400"/>
-              <a:t>Small LLMs provide a balance between performance and efficiency, making them suitable for a wide range of applications where resources are constrained.</a:t>
-            </a:r>
-            <a:endParaRPr lang="en-US" sz="2400"/>
-          </a:p>
-          <a:p>
-            <a:endParaRPr lang="en-US" sz="2400"/>
-          </a:p>
-          <a:p>
-            <a:r>
-              <a:rPr lang="en-US" sz="2400"/>
-              <a:t>Key Characteristics</a:t>
-            </a:r>
-            <a:endParaRPr lang="en-US" sz="2400"/>
+              <a:t>Choosing the best strategy depends on:</a:t>
+            </a:r>
+            <a:endParaRPr lang="en-US"/>
           </a:p>
           <a:p>
             <a:pPr lvl="1"/>
-            <a:r>
-              <a:rPr lang="en-US" sz="2000"/>
-              <a:t>Size: Typically less than a few hundred million parameters compared to billions for LLMs.</a:t>
-            </a:r>
-            <a:endParaRPr lang="en-US" sz="2000"/>
+            <a:endParaRPr lang="en-US"/>
           </a:p>
           <a:p>
             <a:pPr lvl="1"/>
             <a:r>
-              <a:rPr lang="en-US" sz="2000"/>
-              <a:t>Efficiency: Lower computational and memory requirements.</a:t>
-            </a:r>
-            <a:endParaRPr lang="en-US" sz="2000"/>
+              <a:rPr lang="en-US"/>
+              <a:t>Data Size: Full fine-tuning requires large datasets; smaller datasets work better with partial or adapter-based methods.</a:t>
+            </a:r>
+            <a:endParaRPr lang="en-US"/>
           </a:p>
           <a:p>
             <a:pPr lvl="1"/>
             <a:r>
-              <a:rPr lang="en-US" sz="2000"/>
-              <a:t>Speed: Faster inference times compared to larger models.</a:t>
-            </a:r>
-            <a:endParaRPr lang="en-US" sz="2000"/>
+              <a:rPr lang="en-US"/>
+              <a:t>Computational Constraints: Adapters and prompt tuning are less resource-intensive.</a:t>
+            </a:r>
+            <a:endParaRPr lang="en-US"/>
           </a:p>
           <a:p>
             <a:pPr lvl="1"/>
             <a:r>
-              <a:rPr lang="en-US" sz="2000"/>
-              <a:t>Accessibility: Easier to deploy on devices with limited resources (e.g., mobile phones, edge devices).</a:t>
-            </a:r>
-            <a:endParaRPr lang="en-US" sz="2000"/>
-          </a:p>
-          <a:p>
-            <a:endParaRPr lang="en-US" sz="2000"/>
+              <a:rPr lang="en-US"/>
+              <a:t>Domain Specificity: If the target domain is highly specialized, strategies that allow some adaptation of word embeddings or higher layers (like fine-tuning the last few layers) may work best.</a:t>
+            </a:r>
+            <a:endParaRPr lang="en-US"/>
           </a:p>
         </p:txBody>
       </p:sp>
@@ -7584,10 +7574,8 @@
           <a:bodyPr/>
           <a:p>
             <a:r>
-              <a:rPr lang="en-US">
-                <a:sym typeface="+mn-ea"/>
-              </a:rPr>
-              <a:t>Distillation </a:t>
+              <a:rPr lang="en-US"/>
+              <a:t>Small LLMs (Distilled Models) </a:t>
             </a:r>
             <a:endParaRPr lang="en-US"/>
           </a:p>
@@ -7608,17 +7596,62 @@
           <a:bodyPr/>
           <a:p>
             <a:r>
-              <a:rPr lang="en-US"/>
-              <a:t>Distillation in NLP, often called Knowledge Distillation, is a technique where a smaller, simpler model (called the student) is trained to replicate the behavior of a larger, more complex model (the teacher). </a:t>
-            </a:r>
-            <a:endParaRPr lang="en-US"/>
-          </a:p>
-          <a:p>
-            <a:r>
-              <a:rPr lang="en-US"/>
-              <a:t>The idea is to retain most of the teacher model’s knowledge and accuracy but in a compact, efficient model that requires less computation and memory, making it faster and easier to deploy.</a:t>
-            </a:r>
-            <a:endParaRPr lang="en-US"/>
+              <a:rPr lang="en-US" sz="2400"/>
+              <a:t>Definition: Language Models with fewer parameters compared to large-scale models like</a:t>
+            </a:r>
+            <a:endParaRPr lang="en-US" sz="2400"/>
+          </a:p>
+          <a:p>
+            <a:r>
+              <a:rPr lang="en-US" sz="2400"/>
+              <a:t>Small LLMs provide a balance between performance and efficiency, making them suitable for a wide range of applications where resources are constrained.</a:t>
+            </a:r>
+            <a:endParaRPr lang="en-US" sz="2400"/>
+          </a:p>
+          <a:p>
+            <a:endParaRPr lang="en-US" sz="2400"/>
+          </a:p>
+          <a:p>
+            <a:r>
+              <a:rPr lang="en-US" sz="2400"/>
+              <a:t>Key Characteristics</a:t>
+            </a:r>
+            <a:endParaRPr lang="en-US" sz="2400"/>
+          </a:p>
+          <a:p>
+            <a:pPr lvl="1"/>
+            <a:r>
+              <a:rPr lang="en-US" sz="2000"/>
+              <a:t>Size: Typically less than a few hundred million parameters compared to billions for LLMs.</a:t>
+            </a:r>
+            <a:endParaRPr lang="en-US" sz="2000"/>
+          </a:p>
+          <a:p>
+            <a:pPr lvl="1"/>
+            <a:r>
+              <a:rPr lang="en-US" sz="2000"/>
+              <a:t>Efficiency: Lower computational and memory requirements.</a:t>
+            </a:r>
+            <a:endParaRPr lang="en-US" sz="2000"/>
+          </a:p>
+          <a:p>
+            <a:pPr lvl="1"/>
+            <a:r>
+              <a:rPr lang="en-US" sz="2000"/>
+              <a:t>Speed: Faster inference times compared to larger models.</a:t>
+            </a:r>
+            <a:endParaRPr lang="en-US" sz="2000"/>
+          </a:p>
+          <a:p>
+            <a:pPr lvl="1"/>
+            <a:r>
+              <a:rPr lang="en-US" sz="2000"/>
+              <a:t>Accessibility: Easier to deploy on devices with limited resources (e.g., mobile phones, edge devices).</a:t>
+            </a:r>
+            <a:endParaRPr lang="en-US" sz="2000"/>
+          </a:p>
+          <a:p>
+            <a:endParaRPr lang="en-US" sz="2000"/>
           </a:p>
         </p:txBody>
       </p:sp>
@@ -7652,6 +7685,98 @@
 </file>
 
 <file path=ppt/slides/slide21.xml><?xml version="1.0" encoding="utf-8"?>
+<p:sld xmlns:a="http://schemas.openxmlformats.org/drawingml/2006/main" xmlns:r="http://schemas.openxmlformats.org/officeDocument/2006/relationships" xmlns:p="http://schemas.openxmlformats.org/presentationml/2006/main">
+  <p:cSld>
+    <p:spTree>
+      <p:nvGrpSpPr>
+        <p:cNvPr id="1" name=""/>
+        <p:cNvGrpSpPr/>
+        <p:nvPr/>
+      </p:nvGrpSpPr>
+      <p:grpSpPr/>
+      <p:sp>
+        <p:nvSpPr>
+          <p:cNvPr id="2" name="Title 1"/>
+          <p:cNvSpPr>
+            <a:spLocks noGrp="1"/>
+          </p:cNvSpPr>
+          <p:nvPr>
+            <p:ph type="title"/>
+          </p:nvPr>
+        </p:nvSpPr>
+        <p:spPr/>
+        <p:txBody>
+          <a:bodyPr/>
+          <a:p>
+            <a:r>
+              <a:rPr lang="en-US">
+                <a:sym typeface="+mn-ea"/>
+              </a:rPr>
+              <a:t>Distillation </a:t>
+            </a:r>
+            <a:endParaRPr lang="en-US"/>
+          </a:p>
+        </p:txBody>
+      </p:sp>
+      <p:sp>
+        <p:nvSpPr>
+          <p:cNvPr id="3" name="Content Placeholder 2"/>
+          <p:cNvSpPr>
+            <a:spLocks noGrp="1"/>
+          </p:cNvSpPr>
+          <p:nvPr>
+            <p:ph idx="1"/>
+          </p:nvPr>
+        </p:nvSpPr>
+        <p:spPr/>
+        <p:txBody>
+          <a:bodyPr/>
+          <a:p>
+            <a:r>
+              <a:rPr lang="en-US"/>
+              <a:t>Distillation in NLP, often called Knowledge Distillation, is a technique where a smaller, simpler model (called the student) is trained to replicate the behavior of a larger, more complex model (the teacher). </a:t>
+            </a:r>
+            <a:endParaRPr lang="en-US"/>
+          </a:p>
+          <a:p>
+            <a:r>
+              <a:rPr lang="en-US"/>
+              <a:t>The idea is to retain most of the teacher model’s knowledge and accuracy but in a compact, efficient model that requires less computation and memory, making it faster and easier to deploy.</a:t>
+            </a:r>
+            <a:endParaRPr lang="en-US"/>
+          </a:p>
+        </p:txBody>
+      </p:sp>
+      <p:sp>
+        <p:nvSpPr>
+          <p:cNvPr id="4" name="Slide Number Placeholder 3"/>
+          <p:cNvSpPr>
+            <a:spLocks noGrp="1"/>
+          </p:cNvSpPr>
+          <p:nvPr>
+            <p:ph type="sldNum" sz="quarter" idx="12"/>
+          </p:nvPr>
+        </p:nvSpPr>
+        <p:spPr/>
+        <p:txBody>
+          <a:bodyPr/>
+          <a:p>
+            <a:fld id="{9B618960-8005-486C-9A75-10CB2AAC16F9}" type="slidenum">
+              <a:rPr lang="en-US" smtClean="0"/>
+            </a:fld>
+            <a:endParaRPr lang="en-US"/>
+          </a:p>
+        </p:txBody>
+      </p:sp>
+    </p:spTree>
+  </p:cSld>
+  <p:clrMapOvr>
+    <a:masterClrMapping/>
+  </p:clrMapOvr>
+</p:sld>
+</file>
+
+<file path=ppt/slides/slide22.xml><?xml version="1.0" encoding="utf-8"?>
 <p:sld xmlns:a="http://schemas.openxmlformats.org/drawingml/2006/main" xmlns:r="http://schemas.openxmlformats.org/officeDocument/2006/relationships" xmlns:p="http://schemas.openxmlformats.org/presentationml/2006/main">
   <p:cSld>
     <p:spTree>
@@ -7734,7 +7859,7 @@
 </p:sld>
 </file>
 
-<file path=ppt/slides/slide22.xml><?xml version="1.0" encoding="utf-8"?>
+<file path=ppt/slides/slide23.xml><?xml version="1.0" encoding="utf-8"?>
 <p:sld xmlns:a="http://schemas.openxmlformats.org/drawingml/2006/main" xmlns:r="http://schemas.openxmlformats.org/officeDocument/2006/relationships" xmlns:p="http://schemas.openxmlformats.org/presentationml/2006/main">
   <p:cSld>
     <p:spTree>
@@ -7796,7 +7921,7 @@
         <p:spPr>
           <a:xfrm>
             <a:off x="930910" y="563245"/>
-            <a:ext cx="8694420" cy="829945"/>
+            <a:ext cx="9768840" cy="829945"/>
           </a:xfrm>
           <a:prstGeom prst="rect">
             <a:avLst/>
@@ -7825,110 +7950,6 @@
               <a:latin typeface="ui-sans-serif"/>
               <a:ea typeface="ui-sans-serif"/>
             </a:endParaRPr>
-          </a:p>
-        </p:txBody>
-      </p:sp>
-    </p:spTree>
-  </p:cSld>
-  <p:clrMapOvr>
-    <a:masterClrMapping/>
-  </p:clrMapOvr>
-</p:sld>
-</file>
-
-<file path=ppt/slides/slide23.xml><?xml version="1.0" encoding="utf-8"?>
-<p:sld xmlns:a="http://schemas.openxmlformats.org/drawingml/2006/main" xmlns:r="http://schemas.openxmlformats.org/officeDocument/2006/relationships" xmlns:p="http://schemas.openxmlformats.org/presentationml/2006/main">
-  <p:cSld>
-    <p:spTree>
-      <p:nvGrpSpPr>
-        <p:cNvPr id="1" name=""/>
-        <p:cNvGrpSpPr/>
-        <p:nvPr/>
-      </p:nvGrpSpPr>
-      <p:grpSpPr/>
-      <p:sp>
-        <p:nvSpPr>
-          <p:cNvPr id="2" name="Title 1"/>
-          <p:cNvSpPr>
-            <a:spLocks noGrp="1"/>
-          </p:cNvSpPr>
-          <p:nvPr>
-            <p:ph type="title"/>
-          </p:nvPr>
-        </p:nvSpPr>
-        <p:spPr/>
-        <p:txBody>
-          <a:bodyPr/>
-          <a:p>
-            <a:r>
-              <a:rPr lang="en-US"/>
-              <a:t>soft and hard labels </a:t>
-            </a:r>
-            <a:endParaRPr lang="en-US"/>
-          </a:p>
-        </p:txBody>
-      </p:sp>
-      <p:sp>
-        <p:nvSpPr>
-          <p:cNvPr id="3" name="Content Placeholder 2"/>
-          <p:cNvSpPr>
-            <a:spLocks noGrp="1"/>
-          </p:cNvSpPr>
-          <p:nvPr>
-            <p:ph idx="1"/>
-          </p:nvPr>
-        </p:nvSpPr>
-        <p:spPr/>
-        <p:txBody>
-          <a:bodyPr/>
-          <a:p>
-            <a:r>
-              <a:rPr lang="en-US"/>
-              <a:t>The teacher model is already fine-tuned on the training data. So, the probability distribution likely closely matches the ground truth data and won’t have much variations in tokens.</a:t>
-            </a:r>
-            <a:endParaRPr lang="en-US"/>
-          </a:p>
-          <a:p>
-            <a:r>
-              <a:rPr lang="en-US"/>
-              <a:t>SO, when temperature &gt; 1 then, probability distribution becomes broader.</a:t>
-            </a:r>
-            <a:endParaRPr lang="en-US"/>
-          </a:p>
-          <a:p>
-            <a:r>
-              <a:rPr lang="en-US"/>
-              <a:t>T &gt; 1 =&gt; Teacher’s output –&gt; soft labels and Student’s output –&gt; soft predictions</a:t>
-            </a:r>
-            <a:endParaRPr lang="en-US"/>
-          </a:p>
-          <a:p>
-            <a:r>
-              <a:rPr lang="en-US"/>
-              <a:t>T = 1 =&gt; Teacher’s output –&gt; hard labels and Student’s output –&gt; hard predictions</a:t>
-            </a:r>
-            <a:endParaRPr lang="en-US"/>
-          </a:p>
-        </p:txBody>
-      </p:sp>
-      <p:sp>
-        <p:nvSpPr>
-          <p:cNvPr id="4" name="Slide Number Placeholder 3"/>
-          <p:cNvSpPr>
-            <a:spLocks noGrp="1"/>
-          </p:cNvSpPr>
-          <p:nvPr>
-            <p:ph type="sldNum" sz="quarter" idx="12"/>
-          </p:nvPr>
-        </p:nvSpPr>
-        <p:spPr/>
-        <p:txBody>
-          <a:bodyPr/>
-          <a:p>
-            <a:fld id="{9B618960-8005-486C-9A75-10CB2AAC16F9}" type="slidenum">
-              <a:rPr lang="en-US" smtClean="0"/>
-            </a:fld>
-            <a:endParaRPr lang="en-US"/>
           </a:p>
         </p:txBody>
       </p:sp>
@@ -7966,7 +7987,7 @@
           <a:p>
             <a:r>
               <a:rPr lang="en-US"/>
-              <a:t>Key Steps in Distillation</a:t>
+              <a:t>soft and hard labels </a:t>
             </a:r>
             <a:endParaRPr lang="en-US"/>
           </a:p>
@@ -7984,48 +8005,32 @@
         </p:nvSpPr>
         <p:spPr/>
         <p:txBody>
-          <a:bodyPr>
-            <a:normAutofit lnSpcReduction="10000"/>
-          </a:bodyPr>
-          <a:p>
-            <a:pPr marL="514350" indent="-514350">
-              <a:buAutoNum type="arabicPeriod"/>
-            </a:pPr>
-            <a:r>
-              <a:rPr lang="en-US" b="1"/>
-              <a:t>Train the Teacher Model</a:t>
-            </a:r>
+          <a:bodyPr/>
+          <a:p>
             <a:r>
               <a:rPr lang="en-US"/>
-              <a:t>: First, a large model (like BERT or GPT) is pre-trained and fine-tuned on a specific task or dataset. This teacher model has high accuracy but is resource-intensive.</a:t>
-            </a:r>
-            <a:endParaRPr lang="en-US"/>
-          </a:p>
-          <a:p>
-            <a:pPr marL="514350" indent="-514350">
-              <a:buAutoNum type="arabicPeriod"/>
-            </a:pPr>
-            <a:r>
-              <a:rPr lang="en-US" b="1"/>
-              <a:t>Generate Soft Labels</a:t>
-            </a:r>
+              <a:t>The teacher model is already fine-tuned on the training data. So, the probability distribution likely closely matches the ground truth data and won’t have much variations in tokens.</a:t>
+            </a:r>
+            <a:endParaRPr lang="en-US"/>
+          </a:p>
+          <a:p>
             <a:r>
               <a:rPr lang="en-US"/>
-              <a:t>: The teacher model is used to produce soft labels (or probabilities) for the training data, providing nuanced guidance beyond traditional hard labels.</a:t>
-            </a:r>
-            <a:endParaRPr lang="en-US"/>
-          </a:p>
-          <a:p>
-            <a:pPr marL="514350" indent="-514350">
-              <a:buAutoNum type="arabicPeriod"/>
-            </a:pPr>
-            <a:r>
-              <a:rPr lang="en-US" b="1"/>
-              <a:t>Train the Student Model</a:t>
-            </a:r>
+              <a:t>SO, when temperature &gt; 1 then, probability distribution becomes broader.</a:t>
+            </a:r>
+            <a:endParaRPr lang="en-US"/>
+          </a:p>
+          <a:p>
             <a:r>
               <a:rPr lang="en-US"/>
-              <a:t>: The student model is then trained using these soft labels from the teacher, encouraging it to match the teacher's predictions. This allows the student to learn patterns and representations similar to those learned by the teacher, without needing as many parameters.</a:t>
+              <a:t>T &gt; 1 =&gt; Teacher’s output –&gt; soft labels and Student’s output –&gt; soft predictions</a:t>
+            </a:r>
+            <a:endParaRPr lang="en-US"/>
+          </a:p>
+          <a:p>
+            <a:r>
+              <a:rPr lang="en-US"/>
+              <a:t>T = 1 =&gt; Teacher’s output –&gt; hard labels and Student’s output –&gt; hard predictions</a:t>
             </a:r>
             <a:endParaRPr lang="en-US"/>
           </a:p>
@@ -8085,10 +8090,10 @@
           <a:bodyPr/>
           <a:p>
             <a:r>
-              <a:rPr lang="en-US"/>
-              <a:t>Types of Distillation in NLP</a:t>
-            </a:r>
-            <a:endParaRPr lang="en-US"/>
+              <a:rPr lang="en-US" altLang="en-GB"/>
+              <a:t>soft and hard labels </a:t>
+            </a:r>
+            <a:endParaRPr lang="en-US" altLang="en-GB"/>
           </a:p>
         </p:txBody>
       </p:sp>
@@ -8107,24 +8112,48 @@
           <a:bodyPr/>
           <a:p>
             <a:r>
-              <a:rPr lang="en-US"/>
-              <a:t>Logit Distillation: Only the teacher model's output probabilities (logits) are used to train the student model. The student is encouraged to mimic the output distribution of the teacher.</a:t>
-            </a:r>
-            <a:endParaRPr lang="en-US"/>
-          </a:p>
-          <a:p>
-            <a:r>
-              <a:rPr lang="en-US"/>
-              <a:t>Feature Distillation: Intermediate layer features (activations) from the teacher are also used as guidance, allowing the student to match representations at multiple levels, not just the final output.</a:t>
-            </a:r>
-            <a:endParaRPr lang="en-US"/>
-          </a:p>
-          <a:p>
-            <a:r>
-              <a:rPr lang="en-US"/>
-              <a:t>Self-Distillation: The same model is used as both teacher and student, where a larger or pre-trained version of the model is fine-tuned on the task and then distilled to a smaller architecture of itself.</a:t>
-            </a:r>
-            <a:endParaRPr lang="en-US"/>
+              <a:rPr lang="en-US" altLang="en-GB"/>
+              <a:t>Hard labels: One-hot encoded, clear-cut classification.</a:t>
+            </a:r>
+            <a:endParaRPr lang="en-US" altLang="en-GB"/>
+          </a:p>
+          <a:p>
+            <a:r>
+              <a:rPr lang="en-US" altLang="en-GB"/>
+              <a:t>Soft labels: Probability distributions that provide more information.</a:t>
+            </a:r>
+            <a:endParaRPr lang="en-US" altLang="en-GB"/>
+          </a:p>
+          <a:p>
+            <a:r>
+              <a:rPr lang="en-US" altLang="en-GB"/>
+              <a:t>Why Use Soft Labels in Distillation?</a:t>
+            </a:r>
+            <a:endParaRPr lang="en-US" altLang="en-GB"/>
+          </a:p>
+          <a:p>
+            <a:pPr lvl="1"/>
+            <a:r>
+              <a:rPr lang="en-US" altLang="en-GB"/>
+              <a:t>Better Generalization: Soft labels provide richer information than hard labels, helping the student model learn inter-class similarities.</a:t>
+            </a:r>
+            <a:endParaRPr lang="en-US" altLang="en-GB"/>
+          </a:p>
+          <a:p>
+            <a:pPr lvl="1"/>
+            <a:r>
+              <a:rPr lang="en-US" altLang="en-GB"/>
+              <a:t>Handling Noisy Data: The probability distribution smooths out noise in hard labels.</a:t>
+            </a:r>
+            <a:endParaRPr lang="en-US" altLang="en-GB"/>
+          </a:p>
+          <a:p>
+            <a:pPr lvl="1"/>
+            <a:r>
+              <a:rPr lang="en-US" altLang="en-GB"/>
+              <a:t>Compression of Knowledge: The student model absorbs knowledge from the teacher beyond just the final class decision.</a:t>
+            </a:r>
+            <a:endParaRPr lang="en-US" altLang="en-GB"/>
           </a:p>
         </p:txBody>
       </p:sp>
@@ -8183,7 +8212,7 @@
           <a:p>
             <a:r>
               <a:rPr lang="en-US"/>
-              <a:t>Advantages of Distillation</a:t>
+              <a:t>Key Steps in Distillation</a:t>
             </a:r>
             <a:endParaRPr lang="en-US"/>
           </a:p>
@@ -8201,25 +8230,48 @@
         </p:nvSpPr>
         <p:spPr/>
         <p:txBody>
-          <a:bodyPr/>
-          <a:p>
+          <a:bodyPr>
+            <a:normAutofit lnSpcReduction="10000"/>
+          </a:bodyPr>
+          <a:p>
+            <a:pPr marL="514350" indent="-514350">
+              <a:buAutoNum type="arabicPeriod"/>
+            </a:pPr>
+            <a:r>
+              <a:rPr lang="en-US" b="1"/>
+              <a:t>Train the Teacher Model</a:t>
+            </a:r>
             <a:r>
               <a:rPr lang="en-US"/>
-              <a:t>Efficiency: Distilled models are much smaller, making them faster for inference and ideal for deployment on devices with limited resources.</a:t>
-            </a:r>
-            <a:endParaRPr lang="en-US"/>
-          </a:p>
-          <a:p>
+              <a:t>: First, a large model (like BERT or GPT) is pre-trained and fine-tuned on a specific task or dataset. This teacher model has high accuracy but is resource-intensive.</a:t>
+            </a:r>
+            <a:endParaRPr lang="en-US"/>
+          </a:p>
+          <a:p>
+            <a:pPr marL="514350" indent="-514350">
+              <a:buAutoNum type="arabicPeriod"/>
+            </a:pPr>
+            <a:r>
+              <a:rPr lang="en-US" b="1"/>
+              <a:t>Generate Soft Labels</a:t>
+            </a:r>
             <a:r>
               <a:rPr lang="en-US"/>
-              <a:t>Maintain Accuracy: Despite the size reduction, distilled models often retain much of the teacher’s accuracy, making them effective alternatives in production environments.</a:t>
-            </a:r>
-            <a:endParaRPr lang="en-US"/>
-          </a:p>
-          <a:p>
+              <a:t>: The teacher model is used to produce soft labels (or probabilities) for the training data, providing nuanced guidance beyond traditional hard labels.</a:t>
+            </a:r>
+            <a:endParaRPr lang="en-US"/>
+          </a:p>
+          <a:p>
+            <a:pPr marL="514350" indent="-514350">
+              <a:buAutoNum type="arabicPeriod"/>
+            </a:pPr>
+            <a:r>
+              <a:rPr lang="en-US" b="1"/>
+              <a:t>Train the Student Model</a:t>
+            </a:r>
             <a:r>
               <a:rPr lang="en-US"/>
-              <a:t>Less Data Needed: Distilling on soft labels provided by the teacher can enable the student model to generalize better even with less data.</a:t>
+              <a:t>: The student model is then trained using these soft labels from the teacher, encouraging it to match the teacher's predictions. This allows the student to learn patterns and representations similar to those learned by the teacher, without needing as many parameters.</a:t>
             </a:r>
             <a:endParaRPr lang="en-US"/>
           </a:p>
@@ -8280,7 +8332,7 @@
           <a:p>
             <a:r>
               <a:rPr lang="en-US"/>
-              <a:t>Applications in NLP</a:t>
+              <a:t>Types of Distillation in NLP</a:t>
             </a:r>
             <a:endParaRPr lang="en-US"/>
           </a:p>
@@ -8302,21 +8354,21 @@
           <a:p>
             <a:r>
               <a:rPr lang="en-US"/>
-              <a:t>Text Classification: Using a smaller model for real-time classification tasks while retaining the performance of a larger BERT-based model.</a:t>
+              <a:t>Logit Distillation: Only the teacher model's output probabilities (logits) are used to train the student model. The student is encouraged to mimic the output distribution of the teacher.</a:t>
             </a:r>
             <a:endParaRPr lang="en-US"/>
           </a:p>
           <a:p>
             <a:r>
               <a:rPr lang="en-US"/>
-              <a:t>Question Answering: Deploying a distilled model for quick and accurate responses in chatbot systems.</a:t>
+              <a:t>Feature Distillation: Intermediate layer features (activations) from the teacher are also used as guidance, allowing the student to match representations at multiple levels, not just the final output.</a:t>
             </a:r>
             <a:endParaRPr lang="en-US"/>
           </a:p>
           <a:p>
             <a:r>
               <a:rPr lang="en-US"/>
-              <a:t>Machine Translation: Reducing the computational burden in translation systems while preserving translation quality.</a:t>
+              <a:t>Self-Distillation: The same model is used as both teacher and student, where a larger or pre-trained version of the model is fine-tuned on the task and then distilled to a smaller architecture of itself.</a:t>
             </a:r>
             <a:endParaRPr lang="en-US"/>
           </a:p>
@@ -8377,7 +8429,7 @@
           <a:p>
             <a:r>
               <a:rPr lang="en-US"/>
-              <a:t>Example of a Successful Distillation: DistilBERT</a:t>
+              <a:t>Advantages of Distillation</a:t>
             </a:r>
             <a:endParaRPr lang="en-US"/>
           </a:p>
@@ -8399,14 +8451,21 @@
           <a:p>
             <a:r>
               <a:rPr lang="en-US"/>
-              <a:t>DistilBERT is a popular distilled version of BERT that retains 97% of BERT’s language understanding while being 60% faster and using 40% fewer parameters. </a:t>
+              <a:t>Efficiency: Distilled models are much smaller, making them faster for inference and ideal for deployment on devices with limited resources.</a:t>
             </a:r>
             <a:endParaRPr lang="en-US"/>
           </a:p>
           <a:p>
             <a:r>
               <a:rPr lang="en-US"/>
-              <a:t>DistilBERT is trained using logit distillation and feature matching, effectively reducing BERT’s size and computational requirements without major accuracy loss.</a:t>
+              <a:t>Maintain Accuracy: Despite the size reduction, distilled models often retain much of the teacher’s accuracy, making them effective alternatives in production environments.</a:t>
+            </a:r>
+            <a:endParaRPr lang="en-US"/>
+          </a:p>
+          <a:p>
+            <a:r>
+              <a:rPr lang="en-US"/>
+              <a:t>Less Data Needed: Distilling on soft labels provided by the teacher can enable the student model to generalize better even with less data.</a:t>
             </a:r>
             <a:endParaRPr lang="en-US"/>
           </a:p>
@@ -8467,7 +8526,7 @@
           <a:p>
             <a:r>
               <a:rPr lang="en-US"/>
-              <a:t>Quantization </a:t>
+              <a:t>Applications in NLP</a:t>
             </a:r>
             <a:endParaRPr lang="en-US"/>
           </a:p>
@@ -8485,90 +8544,25 @@
         </p:nvSpPr>
         <p:spPr/>
         <p:txBody>
-          <a:bodyPr>
-            <a:normAutofit fontScale="70000"/>
-          </a:bodyPr>
+          <a:bodyPr/>
           <a:p>
             <a:r>
               <a:rPr lang="en-US"/>
-              <a:t>Post training, quantization transforms a model’s weight to a lower precision representation like 16 bit float, or 8 it integer.</a:t>
+              <a:t>Text Classification: Using a smaller model for real-time classification tasks while retaining the performance of a larger BERT-based model.</a:t>
             </a:r>
             <a:endParaRPr lang="en-US"/>
           </a:p>
           <a:p>
             <a:r>
               <a:rPr lang="en-US"/>
-              <a:t>Memory usage can be reduced by reducing precision from 32 bit floating point number to 16 bit floating number or 8 bit integers. Following datatypes can be used to train a quantized models:</a:t>
-            </a:r>
-            <a:endParaRPr lang="en-US"/>
-          </a:p>
-          <a:p>
-            <a:pPr lvl="1"/>
+              <a:t>Question Answering: Deploying a distilled model for quick and accurate responses in chatbot systems.</a:t>
+            </a:r>
+            <a:endParaRPr lang="en-US"/>
+          </a:p>
+          <a:p>
             <a:r>
               <a:rPr lang="en-US"/>
-              <a:t>FP32 –&gt; 32 bit floating point</a:t>
-            </a:r>
-            <a:endParaRPr lang="en-US"/>
-          </a:p>
-          <a:p>
-            <a:pPr lvl="1"/>
-            <a:r>
-              <a:rPr lang="en-US"/>
-              <a:t>FP16 –&gt; 16 bit floating point</a:t>
-            </a:r>
-            <a:endParaRPr lang="en-US"/>
-          </a:p>
-          <a:p>
-            <a:pPr lvl="1"/>
-            <a:r>
-              <a:rPr lang="en-US"/>
-              <a:t>BFLOAT16 –&gt; 16 bit floating point half precision</a:t>
-            </a:r>
-            <a:endParaRPr lang="en-US"/>
-          </a:p>
-          <a:p>
-            <a:pPr lvl="1"/>
-            <a:r>
-              <a:rPr lang="en-US"/>
-              <a:t>INT8 –&gt; 8 bit integers</a:t>
-            </a:r>
-            <a:endParaRPr lang="en-US"/>
-          </a:p>
-          <a:p>
-            <a:r>
-              <a:rPr lang="en-US"/>
-              <a:t>BFLOAT16 is truncated FP32. BFLOAT16 is used to pretrain most of the LLMs including FLAN T5. </a:t>
-            </a:r>
-            <a:endParaRPr lang="en-US"/>
-          </a:p>
-          <a:p>
-            <a:r>
-              <a:rPr lang="en-US"/>
-              <a:t>Given is below is the ram requirements to store 1B parameter model:</a:t>
-            </a:r>
-            <a:endParaRPr lang="en-US"/>
-          </a:p>
-          <a:p>
-            <a:pPr lvl="1"/>
-            <a:r>
-              <a:rPr lang="en-US"/>
-              <a:t>Full Precision Model –&gt; 4GB@32 bit full precission</a:t>
-            </a:r>
-            <a:endParaRPr lang="en-US"/>
-          </a:p>
-          <a:p>
-            <a:pPr lvl="1"/>
-            <a:r>
-              <a:rPr lang="en-US"/>
-              <a:t>16-bit quantized Model –&gt; 2GB@16 bit half precission</a:t>
-            </a:r>
-            <a:endParaRPr lang="en-US"/>
-          </a:p>
-          <a:p>
-            <a:pPr lvl="1"/>
-            <a:r>
-              <a:rPr lang="en-US"/>
-              <a:t>8-bit quantized Model –&gt; 1GB@8 bit precission</a:t>
+              <a:t>Machine Translation: Reducing the computational burden in translation systems while preserving translation quality.</a:t>
             </a:r>
             <a:endParaRPr lang="en-US"/>
           </a:p>
@@ -8729,7 +8723,7 @@
           <a:p>
             <a:r>
               <a:rPr lang="en-US"/>
-              <a:t>Pruning </a:t>
+              <a:t>Example of a Successful Distillation: DistilBERT</a:t>
             </a:r>
             <a:endParaRPr lang="en-US"/>
           </a:p>
@@ -8751,7 +8745,14 @@
           <a:p>
             <a:r>
               <a:rPr lang="en-US"/>
-              <a:t>Model Pruning removes redundant model parameters that contribute little to the model’s preformance. It removes model weights with values close or equal to zero.</a:t>
+              <a:t>DistilBERT is a popular distilled version of BERT that retains 97% of BERT’s language understanding while being 60% faster and using 40% fewer parameters. </a:t>
+            </a:r>
+            <a:endParaRPr lang="en-US"/>
+          </a:p>
+          <a:p>
+            <a:r>
+              <a:rPr lang="en-US"/>
+              <a:t>DistilBERT is trained using logit distillation and feature matching, effectively reducing BERT’s size and computational requirements without major accuracy loss.</a:t>
             </a:r>
             <a:endParaRPr lang="en-US"/>
           </a:p>
@@ -8811,14 +8812,8 @@
           <a:bodyPr/>
           <a:p>
             <a:r>
-              <a:rPr lang="en-US">
-                <a:sym typeface="+mn-ea"/>
-              </a:rPr>
-              <a:t>Distilled Model </a:t>
-            </a:r>
-            <a:r>
               <a:rPr lang="en-US"/>
-              <a:t>Limitations </a:t>
+              <a:t>Quantization </a:t>
             </a:r>
             <a:endParaRPr lang="en-US"/>
           </a:p>
@@ -8836,18 +8831,90 @@
         </p:nvSpPr>
         <p:spPr/>
         <p:txBody>
-          <a:bodyPr/>
+          <a:bodyPr>
+            <a:normAutofit fontScale="70000"/>
+          </a:bodyPr>
           <a:p>
             <a:r>
               <a:rPr lang="en-US"/>
-              <a:t>Possible Loss of Accuracy: While distillation aims to retain performance, smaller models might still lose some of the teacher's nuanced understanding, especially on complex tasks.</a:t>
+              <a:t>Post training, quantization transforms a model’s weight to a lower precision representation like 16 bit float, or 8 it integer.</a:t>
             </a:r>
             <a:endParaRPr lang="en-US"/>
           </a:p>
           <a:p>
             <a:r>
               <a:rPr lang="en-US"/>
-              <a:t>Teacher Dependence: The quality of the student model heavily depends on the teacher model’s quality. If the teacher has biases or errors, these may be passed on to the student.</a:t>
+              <a:t>Memory usage can be reduced by reducing precision from 32 bit floating point number to 16 bit floating number or 8 bit integers. Following datatypes can be used to train a quantized models:</a:t>
+            </a:r>
+            <a:endParaRPr lang="en-US"/>
+          </a:p>
+          <a:p>
+            <a:pPr lvl="1"/>
+            <a:r>
+              <a:rPr lang="en-US"/>
+              <a:t>FP32 –&gt; 32 bit floating point</a:t>
+            </a:r>
+            <a:endParaRPr lang="en-US"/>
+          </a:p>
+          <a:p>
+            <a:pPr lvl="1"/>
+            <a:r>
+              <a:rPr lang="en-US"/>
+              <a:t>FP16 –&gt; 16 bit floating point</a:t>
+            </a:r>
+            <a:endParaRPr lang="en-US"/>
+          </a:p>
+          <a:p>
+            <a:pPr lvl="1"/>
+            <a:r>
+              <a:rPr lang="en-US"/>
+              <a:t>BFLOAT16 –&gt; 16 bit floating point half precision</a:t>
+            </a:r>
+            <a:endParaRPr lang="en-US"/>
+          </a:p>
+          <a:p>
+            <a:pPr lvl="1"/>
+            <a:r>
+              <a:rPr lang="en-US"/>
+              <a:t>INT8 –&gt; 8 bit integers</a:t>
+            </a:r>
+            <a:endParaRPr lang="en-US"/>
+          </a:p>
+          <a:p>
+            <a:r>
+              <a:rPr lang="en-US"/>
+              <a:t>BFLOAT16 is truncated FP32. BFLOAT16 is used to pretrain most of the LLMs including FLAN T5. </a:t>
+            </a:r>
+            <a:endParaRPr lang="en-US"/>
+          </a:p>
+          <a:p>
+            <a:r>
+              <a:rPr lang="en-US"/>
+              <a:t>Given is below is the ram requirements to store 1B parameter model:</a:t>
+            </a:r>
+            <a:endParaRPr lang="en-US"/>
+          </a:p>
+          <a:p>
+            <a:pPr lvl="1"/>
+            <a:r>
+              <a:rPr lang="en-US"/>
+              <a:t>Full Precision Model –&gt; 4GB@32 bit full precission</a:t>
+            </a:r>
+            <a:endParaRPr lang="en-US"/>
+          </a:p>
+          <a:p>
+            <a:pPr lvl="1"/>
+            <a:r>
+              <a:rPr lang="en-US"/>
+              <a:t>16-bit quantized Model –&gt; 2GB@16 bit half precission</a:t>
+            </a:r>
+            <a:endParaRPr lang="en-US"/>
+          </a:p>
+          <a:p>
+            <a:pPr lvl="1"/>
+            <a:r>
+              <a:rPr lang="en-US"/>
+              <a:t>8-bit quantized Model –&gt; 1GB@8 bit precission</a:t>
             </a:r>
             <a:endParaRPr lang="en-US"/>
           </a:p>
@@ -8908,6 +8975,185 @@
           <a:p>
             <a:r>
               <a:rPr lang="en-US"/>
+              <a:t>Pruning </a:t>
+            </a:r>
+            <a:endParaRPr lang="en-US"/>
+          </a:p>
+        </p:txBody>
+      </p:sp>
+      <p:sp>
+        <p:nvSpPr>
+          <p:cNvPr id="3" name="Content Placeholder 2"/>
+          <p:cNvSpPr>
+            <a:spLocks noGrp="1"/>
+          </p:cNvSpPr>
+          <p:nvPr>
+            <p:ph idx="1"/>
+          </p:nvPr>
+        </p:nvSpPr>
+        <p:spPr/>
+        <p:txBody>
+          <a:bodyPr/>
+          <a:p>
+            <a:r>
+              <a:rPr lang="en-US"/>
+              <a:t>Model Pruning removes redundant model parameters that contribute little to the model’s preformance. It removes model weights with values close or equal to zero.</a:t>
+            </a:r>
+            <a:endParaRPr lang="en-US"/>
+          </a:p>
+        </p:txBody>
+      </p:sp>
+      <p:sp>
+        <p:nvSpPr>
+          <p:cNvPr id="4" name="Slide Number Placeholder 3"/>
+          <p:cNvSpPr>
+            <a:spLocks noGrp="1"/>
+          </p:cNvSpPr>
+          <p:nvPr>
+            <p:ph type="sldNum" sz="quarter" idx="12"/>
+          </p:nvPr>
+        </p:nvSpPr>
+        <p:spPr/>
+        <p:txBody>
+          <a:bodyPr/>
+          <a:p>
+            <a:fld id="{9B618960-8005-486C-9A75-10CB2AAC16F9}" type="slidenum">
+              <a:rPr lang="en-US" smtClean="0"/>
+            </a:fld>
+            <a:endParaRPr lang="en-US"/>
+          </a:p>
+        </p:txBody>
+      </p:sp>
+    </p:spTree>
+  </p:cSld>
+  <p:clrMapOvr>
+    <a:masterClrMapping/>
+  </p:clrMapOvr>
+</p:sld>
+</file>
+
+<file path=ppt/slides/slide33.xml><?xml version="1.0" encoding="utf-8"?>
+<p:sld xmlns:a="http://schemas.openxmlformats.org/drawingml/2006/main" xmlns:r="http://schemas.openxmlformats.org/officeDocument/2006/relationships" xmlns:p="http://schemas.openxmlformats.org/presentationml/2006/main">
+  <p:cSld>
+    <p:spTree>
+      <p:nvGrpSpPr>
+        <p:cNvPr id="1" name=""/>
+        <p:cNvGrpSpPr/>
+        <p:nvPr/>
+      </p:nvGrpSpPr>
+      <p:grpSpPr/>
+      <p:sp>
+        <p:nvSpPr>
+          <p:cNvPr id="2" name="Title 1"/>
+          <p:cNvSpPr>
+            <a:spLocks noGrp="1"/>
+          </p:cNvSpPr>
+          <p:nvPr>
+            <p:ph type="title"/>
+          </p:nvPr>
+        </p:nvSpPr>
+        <p:spPr/>
+        <p:txBody>
+          <a:bodyPr/>
+          <a:p>
+            <a:r>
+              <a:rPr lang="en-US">
+                <a:sym typeface="+mn-ea"/>
+              </a:rPr>
+              <a:t>Distilled Model </a:t>
+            </a:r>
+            <a:r>
+              <a:rPr lang="en-US"/>
+              <a:t>Limitations </a:t>
+            </a:r>
+            <a:endParaRPr lang="en-US"/>
+          </a:p>
+        </p:txBody>
+      </p:sp>
+      <p:sp>
+        <p:nvSpPr>
+          <p:cNvPr id="3" name="Content Placeholder 2"/>
+          <p:cNvSpPr>
+            <a:spLocks noGrp="1"/>
+          </p:cNvSpPr>
+          <p:nvPr>
+            <p:ph idx="1"/>
+          </p:nvPr>
+        </p:nvSpPr>
+        <p:spPr/>
+        <p:txBody>
+          <a:bodyPr/>
+          <a:p>
+            <a:r>
+              <a:rPr lang="en-US"/>
+              <a:t>Possible Loss of Accuracy: While distillation aims to retain performance, smaller models might still lose some of the teacher's nuanced understanding, especially on complex tasks.</a:t>
+            </a:r>
+            <a:endParaRPr lang="en-US"/>
+          </a:p>
+          <a:p>
+            <a:r>
+              <a:rPr lang="en-US"/>
+              <a:t>Teacher Dependence: The quality of the student model heavily depends on the teacher model’s quality. If the teacher has biases or errors, these may be passed on to the student.</a:t>
+            </a:r>
+            <a:endParaRPr lang="en-US"/>
+          </a:p>
+        </p:txBody>
+      </p:sp>
+      <p:sp>
+        <p:nvSpPr>
+          <p:cNvPr id="4" name="Slide Number Placeholder 3"/>
+          <p:cNvSpPr>
+            <a:spLocks noGrp="1"/>
+          </p:cNvSpPr>
+          <p:nvPr>
+            <p:ph type="sldNum" sz="quarter" idx="12"/>
+          </p:nvPr>
+        </p:nvSpPr>
+        <p:spPr/>
+        <p:txBody>
+          <a:bodyPr/>
+          <a:p>
+            <a:fld id="{9B618960-8005-486C-9A75-10CB2AAC16F9}" type="slidenum">
+              <a:rPr lang="en-US" smtClean="0"/>
+            </a:fld>
+            <a:endParaRPr lang="en-US"/>
+          </a:p>
+        </p:txBody>
+      </p:sp>
+    </p:spTree>
+  </p:cSld>
+  <p:clrMapOvr>
+    <a:masterClrMapping/>
+  </p:clrMapOvr>
+</p:sld>
+</file>
+
+<file path=ppt/slides/slide34.xml><?xml version="1.0" encoding="utf-8"?>
+<p:sld xmlns:a="http://schemas.openxmlformats.org/drawingml/2006/main" xmlns:r="http://schemas.openxmlformats.org/officeDocument/2006/relationships" xmlns:p="http://schemas.openxmlformats.org/presentationml/2006/main">
+  <p:cSld>
+    <p:spTree>
+      <p:nvGrpSpPr>
+        <p:cNvPr id="1" name=""/>
+        <p:cNvGrpSpPr/>
+        <p:nvPr/>
+      </p:nvGrpSpPr>
+      <p:grpSpPr/>
+      <p:sp>
+        <p:nvSpPr>
+          <p:cNvPr id="2" name="Title 1"/>
+          <p:cNvSpPr>
+            <a:spLocks noGrp="1"/>
+          </p:cNvSpPr>
+          <p:nvPr>
+            <p:ph type="title"/>
+          </p:nvPr>
+        </p:nvSpPr>
+        <p:spPr/>
+        <p:txBody>
+          <a:bodyPr/>
+          <a:p>
+            <a:r>
+              <a:rPr lang="en-US"/>
               <a:t>Some references </a:t>
             </a:r>
             <a:endParaRPr lang="en-US"/>
@@ -9004,7 +9250,7 @@
 </p:sld>
 </file>
 
-<file path=ppt/slides/slide33.xml><?xml version="1.0" encoding="utf-8"?>
+<file path=ppt/slides/slide35.xml><?xml version="1.0" encoding="utf-8"?>
 <p:sld xmlns:a="http://schemas.openxmlformats.org/drawingml/2006/main" xmlns:r="http://schemas.openxmlformats.org/officeDocument/2006/relationships" xmlns:p="http://schemas.openxmlformats.org/presentationml/2006/main">
   <p:cSld>
     <p:spTree>
@@ -10738,209 +10984,6 @@
 </p:sld>
 </file>
 
-<file path=ppt/slides/slide34.xml><?xml version="1.0" encoding="utf-8"?>
-<p:sld xmlns:a="http://schemas.openxmlformats.org/drawingml/2006/main" xmlns:r="http://schemas.openxmlformats.org/officeDocument/2006/relationships" xmlns:p="http://schemas.openxmlformats.org/presentationml/2006/main">
-  <p:cSld>
-    <p:spTree>
-      <p:nvGrpSpPr>
-        <p:cNvPr id="1" name=""/>
-        <p:cNvGrpSpPr/>
-        <p:nvPr/>
-      </p:nvGrpSpPr>
-      <p:grpSpPr/>
-      <p:sp>
-        <p:nvSpPr>
-          <p:cNvPr id="2" name="Title 1"/>
-          <p:cNvSpPr>
-            <a:spLocks noGrp="1"/>
-          </p:cNvSpPr>
-          <p:nvPr>
-            <p:ph type="title"/>
-          </p:nvPr>
-        </p:nvSpPr>
-        <p:spPr/>
-        <p:txBody>
-          <a:bodyPr/>
-          <a:p>
-            <a:r>
-              <a:rPr lang="en-US"/>
-              <a:t>Role of SLMs in Edge Computing</a:t>
-            </a:r>
-            <a:endParaRPr lang="en-US"/>
-          </a:p>
-        </p:txBody>
-      </p:sp>
-      <p:sp>
-        <p:nvSpPr>
-          <p:cNvPr id="3" name="Content Placeholder 2"/>
-          <p:cNvSpPr>
-            <a:spLocks noGrp="1"/>
-          </p:cNvSpPr>
-          <p:nvPr>
-            <p:ph idx="1"/>
-          </p:nvPr>
-        </p:nvSpPr>
-        <p:spPr/>
-        <p:txBody>
-          <a:bodyPr/>
-          <a:p>
-            <a:r>
-              <a:rPr lang="en-US"/>
-              <a:t>Small Language Models (SLMs) are specifically beneficial for edge computing because of their lightweight, efficient nature, and ability to run on devices with limited processing power and memory, like mobile devices, IoT devices, or embedded systems.</a:t>
-            </a:r>
-            <a:endParaRPr lang="en-US"/>
-          </a:p>
-        </p:txBody>
-      </p:sp>
-      <p:sp>
-        <p:nvSpPr>
-          <p:cNvPr id="4" name="Slide Number Placeholder 3"/>
-          <p:cNvSpPr>
-            <a:spLocks noGrp="1"/>
-          </p:cNvSpPr>
-          <p:nvPr>
-            <p:ph type="sldNum" sz="quarter" idx="12"/>
-          </p:nvPr>
-        </p:nvSpPr>
-        <p:spPr/>
-        <p:txBody>
-          <a:bodyPr/>
-          <a:p>
-            <a:fld id="{9B618960-8005-486C-9A75-10CB2AAC16F9}" type="slidenum">
-              <a:rPr lang="en-US" smtClean="0"/>
-            </a:fld>
-            <a:endParaRPr lang="en-US"/>
-          </a:p>
-        </p:txBody>
-      </p:sp>
-    </p:spTree>
-  </p:cSld>
-  <p:clrMapOvr>
-    <a:masterClrMapping/>
-  </p:clrMapOvr>
-</p:sld>
-</file>
-
-<file path=ppt/slides/slide35.xml><?xml version="1.0" encoding="utf-8"?>
-<p:sld xmlns:a="http://schemas.openxmlformats.org/drawingml/2006/main" xmlns:r="http://schemas.openxmlformats.org/officeDocument/2006/relationships" xmlns:p="http://schemas.openxmlformats.org/presentationml/2006/main">
-  <p:cSld>
-    <p:spTree>
-      <p:nvGrpSpPr>
-        <p:cNvPr id="1" name=""/>
-        <p:cNvGrpSpPr/>
-        <p:nvPr/>
-      </p:nvGrpSpPr>
-      <p:grpSpPr/>
-      <p:sp>
-        <p:nvSpPr>
-          <p:cNvPr id="2" name="Title 1"/>
-          <p:cNvSpPr>
-            <a:spLocks noGrp="1"/>
-          </p:cNvSpPr>
-          <p:nvPr>
-            <p:ph type="title"/>
-          </p:nvPr>
-        </p:nvSpPr>
-        <p:spPr/>
-        <p:txBody>
-          <a:bodyPr/>
-          <a:p>
-            <a:r>
-              <a:rPr lang="en-US"/>
-              <a:t>how SLM contribute to edge computing</a:t>
-            </a:r>
-            <a:endParaRPr lang="en-US"/>
-          </a:p>
-        </p:txBody>
-      </p:sp>
-      <p:sp>
-        <p:nvSpPr>
-          <p:cNvPr id="3" name="Content Placeholder 2"/>
-          <p:cNvSpPr>
-            <a:spLocks noGrp="1"/>
-          </p:cNvSpPr>
-          <p:nvPr>
-            <p:ph idx="1"/>
-          </p:nvPr>
-        </p:nvSpPr>
-        <p:spPr/>
-        <p:txBody>
-          <a:bodyPr>
-            <a:normAutofit fontScale="90000"/>
-          </a:bodyPr>
-          <a:p>
-            <a:r>
-              <a:rPr lang="en-US"/>
-              <a:t>Reduced Latency: Processes data locally, enabling fast, real-time responses.</a:t>
-            </a:r>
-            <a:endParaRPr lang="en-US"/>
-          </a:p>
-          <a:p>
-            <a:r>
-              <a:rPr lang="en-US"/>
-              <a:t>Enhanced Privacy: Keeps data on-device, improving privacy and security.</a:t>
-            </a:r>
-            <a:endParaRPr lang="en-US"/>
-          </a:p>
-          <a:p>
-            <a:r>
-              <a:rPr lang="en-US"/>
-              <a:t>Energy Efficiency: Uses minimal power, ideal for battery-operated devices.</a:t>
-            </a:r>
-            <a:endParaRPr lang="en-US"/>
-          </a:p>
-          <a:p>
-            <a:r>
-              <a:rPr lang="en-US"/>
-              <a:t>Cost-Effective Scalability: Reduces cloud dependency, enabling large-scale, affordable deployments.</a:t>
-            </a:r>
-            <a:endParaRPr lang="en-US"/>
-          </a:p>
-          <a:p>
-            <a:r>
-              <a:rPr lang="en-US"/>
-              <a:t>Offline Functionality: Operates without internet, suitable for remote or network-limited areas.</a:t>
-            </a:r>
-            <a:endParaRPr lang="en-US"/>
-          </a:p>
-          <a:p>
-            <a:r>
-              <a:rPr lang="en-US"/>
-              <a:t>Real-Time Decision-Making: Supports quick, localized analytics and actions, valuable for industrial IoT and other time-sensitive applications.</a:t>
-            </a:r>
-            <a:endParaRPr lang="en-US"/>
-          </a:p>
-        </p:txBody>
-      </p:sp>
-      <p:sp>
-        <p:nvSpPr>
-          <p:cNvPr id="4" name="Slide Number Placeholder 3"/>
-          <p:cNvSpPr>
-            <a:spLocks noGrp="1"/>
-          </p:cNvSpPr>
-          <p:nvPr>
-            <p:ph type="sldNum" sz="quarter" idx="12"/>
-          </p:nvPr>
-        </p:nvSpPr>
-        <p:spPr/>
-        <p:txBody>
-          <a:bodyPr/>
-          <a:p>
-            <a:fld id="{9B618960-8005-486C-9A75-10CB2AAC16F9}" type="slidenum">
-              <a:rPr lang="en-US" smtClean="0"/>
-            </a:fld>
-            <a:endParaRPr lang="en-US"/>
-          </a:p>
-        </p:txBody>
-      </p:sp>
-    </p:spTree>
-  </p:cSld>
-  <p:clrMapOvr>
-    <a:masterClrMapping/>
-  </p:clrMapOvr>
-</p:sld>
-</file>
-
 <file path=ppt/slides/slide36.xml><?xml version="1.0" encoding="utf-8"?>
 <p:sld xmlns:a="http://schemas.openxmlformats.org/drawingml/2006/main" xmlns:r="http://schemas.openxmlformats.org/officeDocument/2006/relationships" xmlns:p="http://schemas.openxmlformats.org/presentationml/2006/main">
   <p:cSld>
@@ -10967,7 +11010,7 @@
           <a:p>
             <a:r>
               <a:rPr lang="en-US"/>
-              <a:t>Use Cases of SLMs in Edge Computing</a:t>
+              <a:t>Role of SLMs in Edge Computing</a:t>
             </a:r>
             <a:endParaRPr lang="en-US"/>
           </a:p>
@@ -10985,41 +11028,12 @@
         </p:nvSpPr>
         <p:spPr/>
         <p:txBody>
-          <a:bodyPr>
-            <a:normAutofit lnSpcReduction="20000"/>
-          </a:bodyPr>
+          <a:bodyPr/>
           <a:p>
             <a:r>
               <a:rPr lang="en-US"/>
-              <a:t>Voice Assistants: Running speech recognition or natural language understanding locally for quick and private responses.</a:t>
-            </a:r>
-            <a:endParaRPr lang="en-US"/>
-          </a:p>
-          <a:p>
-            <a:r>
-              <a:rPr lang="en-US"/>
-              <a:t>Predictive Text and Keyboard Apps: Fast and responsive predictive text suggestions on mobile devices.</a:t>
-            </a:r>
-            <a:endParaRPr lang="en-US"/>
-          </a:p>
-          <a:p>
-            <a:r>
-              <a:rPr lang="en-US"/>
-              <a:t>Industrial IoT: Real-time data processing for predictive maintenance or anomaly detection, reducing downtime and improving operational efficiency.</a:t>
-            </a:r>
-            <a:endParaRPr lang="en-US"/>
-          </a:p>
-          <a:p>
-            <a:r>
-              <a:rPr lang="en-US"/>
-              <a:t>Healthcare Devices: Processing patient data locally on wearable devices to provide immediate feedback without sending sensitive information to the cloud.</a:t>
-            </a:r>
-            <a:endParaRPr lang="en-US"/>
-          </a:p>
-          <a:p>
-            <a:pPr marL="0" indent="0">
-              <a:buNone/>
-            </a:pPr>
+              <a:t>Small Language Models (SLMs) are specifically beneficial for edge computing because of their lightweight, efficient nature, and ability to run on devices with limited processing power and memory, like mobile devices, IoT devices, or embedded systems.</a:t>
+            </a:r>
             <a:endParaRPr lang="en-US"/>
           </a:p>
         </p:txBody>
@@ -11078,10 +11092,10 @@
           <a:bodyPr/>
           <a:p>
             <a:r>
-              <a:rPr lang="en-US" sz="3600"/>
-              <a:t> Industrial IoT (IIoT) and Small Language Models (SLMs)</a:t>
-            </a:r>
-            <a:endParaRPr lang="en-US" sz="3600"/>
+              <a:rPr lang="en-US"/>
+              <a:t>how SLM contribute to edge computing</a:t>
+            </a:r>
+            <a:endParaRPr lang="en-US"/>
           </a:p>
         </p:txBody>
       </p:sp>
@@ -11097,11 +11111,48 @@
         </p:nvSpPr>
         <p:spPr/>
         <p:txBody>
-          <a:bodyPr/>
+          <a:bodyPr>
+            <a:normAutofit fontScale="90000"/>
+          </a:bodyPr>
           <a:p>
             <a:r>
               <a:rPr lang="en-US"/>
-              <a:t>Small Language Models (SLMs) are deployed on edge devices to enable real-time processing and analysis of language data generated within industrial environments. </a:t>
+              <a:t>Reduced Latency: Processes data locally, enabling fast, real-time responses.</a:t>
+            </a:r>
+            <a:endParaRPr lang="en-US"/>
+          </a:p>
+          <a:p>
+            <a:r>
+              <a:rPr lang="en-US"/>
+              <a:t>Enhanced Privacy: Keeps data on-device, improving privacy and security.</a:t>
+            </a:r>
+            <a:endParaRPr lang="en-US"/>
+          </a:p>
+          <a:p>
+            <a:r>
+              <a:rPr lang="en-US"/>
+              <a:t>Energy Efficiency: Uses minimal power, ideal for battery-operated devices.</a:t>
+            </a:r>
+            <a:endParaRPr lang="en-US"/>
+          </a:p>
+          <a:p>
+            <a:r>
+              <a:rPr lang="en-US"/>
+              <a:t>Cost-Effective Scalability: Reduces cloud dependency, enabling large-scale, affordable deployments.</a:t>
+            </a:r>
+            <a:endParaRPr lang="en-US"/>
+          </a:p>
+          <a:p>
+            <a:r>
+              <a:rPr lang="en-US"/>
+              <a:t>Offline Functionality: Operates without internet, suitable for remote or network-limited areas.</a:t>
+            </a:r>
+            <a:endParaRPr lang="en-US"/>
+          </a:p>
+          <a:p>
+            <a:r>
+              <a:rPr lang="en-US"/>
+              <a:t>Real-Time Decision-Making: Supports quick, localized analytics and actions, valuable for industrial IoT and other time-sensitive applications.</a:t>
             </a:r>
             <a:endParaRPr lang="en-US"/>
           </a:p>
@@ -11158,77 +11209,63 @@
         </p:nvSpPr>
         <p:spPr/>
         <p:txBody>
+          <a:bodyPr/>
+          <a:p>
+            <a:r>
+              <a:rPr lang="en-US"/>
+              <a:t>Use Cases of SLMs in Edge Computing</a:t>
+            </a:r>
+            <a:endParaRPr lang="en-US"/>
+          </a:p>
+        </p:txBody>
+      </p:sp>
+      <p:sp>
+        <p:nvSpPr>
+          <p:cNvPr id="3" name="Content Placeholder 2"/>
+          <p:cNvSpPr>
+            <a:spLocks noGrp="1"/>
+          </p:cNvSpPr>
+          <p:nvPr>
+            <p:ph idx="1"/>
+          </p:nvPr>
+        </p:nvSpPr>
+        <p:spPr/>
+        <p:txBody>
           <a:bodyPr>
-            <a:normAutofit fontScale="90000"/>
+            <a:normAutofit lnSpcReduction="20000"/>
           </a:bodyPr>
           <a:p>
             <a:r>
               <a:rPr lang="en-US"/>
-              <a:t>Use cases where SLMs enhance IIoT applications</a:t>
-            </a:r>
-            <a:endParaRPr lang="en-US"/>
-          </a:p>
-        </p:txBody>
-      </p:sp>
-      <p:sp>
-        <p:nvSpPr>
-          <p:cNvPr id="3" name="Content Placeholder 2"/>
-          <p:cNvSpPr>
-            <a:spLocks noGrp="1"/>
-          </p:cNvSpPr>
-          <p:nvPr>
-            <p:ph idx="1"/>
-          </p:nvPr>
-        </p:nvSpPr>
-        <p:spPr/>
-        <p:txBody>
-          <a:bodyPr>
-            <a:normAutofit fontScale="90000" lnSpcReduction="10000"/>
-          </a:bodyPr>
+              <a:t>Voice Assistants: Running speech recognition or natural language understanding locally for quick and private responses.</a:t>
+            </a:r>
+            <a:endParaRPr lang="en-US"/>
+          </a:p>
           <a:p>
             <a:r>
               <a:rPr lang="en-US"/>
-              <a:t>Predictive Maintenance</a:t>
-            </a:r>
-            <a:endParaRPr lang="en-US"/>
-          </a:p>
-          <a:p>
-            <a:pPr lvl="1"/>
+              <a:t>Predictive Text and Keyboard Apps: Fast and responsive predictive text suggestions on mobile devices.</a:t>
+            </a:r>
+            <a:endParaRPr lang="en-US"/>
+          </a:p>
+          <a:p>
             <a:r>
               <a:rPr lang="en-US"/>
-              <a:t>Role of SLMs: SLMs can analyze equipment logs, sensor readings, and technician notes directly on the edge, identifying patterns and predicting failures before they happen.</a:t>
-            </a:r>
-            <a:endParaRPr lang="en-US"/>
-          </a:p>
-          <a:p>
-            <a:pPr lvl="1"/>
+              <a:t>Industrial IoT: Real-time data processing for predictive maintenance or anomaly detection, reducing downtime and improving operational efficiency.</a:t>
+            </a:r>
+            <a:endParaRPr lang="en-US"/>
+          </a:p>
+          <a:p>
             <a:r>
               <a:rPr lang="en-US"/>
-              <a:t>Benefit: By processing data locally, SLMs enable real-time alerts and rapid decision-making, reducing unplanned downtime and maintenance costs.</a:t>
-            </a:r>
-            <a:endParaRPr lang="en-US"/>
-          </a:p>
-          <a:p>
-            <a:r>
-              <a:rPr lang="en-US"/>
-              <a:t>Anomaly Detection in Production</a:t>
-            </a:r>
-            <a:endParaRPr lang="en-US"/>
-          </a:p>
-          <a:p>
-            <a:pPr lvl="1"/>
-            <a:r>
-              <a:rPr lang="en-US"/>
-              <a:t>Role of SLMs: SLMs process structured and unstructured data from sensors or machine logs, detecting unusual patterns that could indicate malfunctions or inefficiencies.</a:t>
-            </a:r>
-            <a:endParaRPr lang="en-US"/>
-          </a:p>
-          <a:p>
-            <a:pPr lvl="1"/>
-            <a:r>
-              <a:rPr lang="en-US"/>
-              <a:t>Benefit: Early detection of issues helps avoid production halts, improve quality control, and maintain consistent product quality by taking immediate corrective actions.</a:t>
-            </a:r>
+              <a:t>Healthcare Devices: Processing patient data locally on wearable devices to provide immediate feedback without sending sensitive information to the cloud.</a:t>
+            </a:r>
+            <a:endParaRPr lang="en-US"/>
+          </a:p>
+          <a:p>
+            <a:pPr marL="0" indent="0">
+              <a:buNone/>
+            </a:pPr>
             <a:endParaRPr lang="en-US"/>
           </a:p>
         </p:txBody>
@@ -11284,17 +11321,13 @@
         </p:nvSpPr>
         <p:spPr/>
         <p:txBody>
-          <a:bodyPr>
-            <a:normAutofit fontScale="90000"/>
-          </a:bodyPr>
-          <a:p>
-            <a:r>
-              <a:rPr lang="en-US">
-                <a:sym typeface="+mn-ea"/>
-              </a:rPr>
-              <a:t>Use cases where SLMs enhance IIoT applications</a:t>
-            </a:r>
-            <a:endParaRPr lang="en-US"/>
+          <a:bodyPr/>
+          <a:p>
+            <a:r>
+              <a:rPr lang="en-US" sz="3600"/>
+              <a:t> Industrial IoT (IIoT) and Small Language Models (SLMs)</a:t>
+            </a:r>
+            <a:endParaRPr lang="en-US" sz="3600"/>
           </a:p>
         </p:txBody>
       </p:sp>
@@ -11310,52 +11343,11 @@
         </p:nvSpPr>
         <p:spPr/>
         <p:txBody>
-          <a:bodyPr>
-            <a:normAutofit fontScale="80000"/>
-          </a:bodyPr>
+          <a:bodyPr/>
           <a:p>
             <a:r>
               <a:rPr lang="en-US"/>
-              <a:t>Natural Language Interfaces for Technicians</a:t>
-            </a:r>
-            <a:endParaRPr lang="en-US"/>
-          </a:p>
-          <a:p>
-            <a:pPr lvl="1"/>
-            <a:r>
-              <a:rPr lang="en-US"/>
-              <a:t>Role of SLMs: SLMs power on-device voice assistants or text-based interfaces, allowing technicians to query equipment or receive diagnostic information using natural language.</a:t>
-            </a:r>
-            <a:endParaRPr lang="en-US"/>
-          </a:p>
-          <a:p>
-            <a:pPr lvl="1"/>
-            <a:r>
-              <a:rPr lang="en-US"/>
-              <a:t>Benefit: Voice or text interaction simplifies troubleshooting and operation, making complex industrial processes more accessible and reducing training time for operators.</a:t>
-            </a:r>
-            <a:endParaRPr lang="en-US"/>
-          </a:p>
-          <a:p>
-            <a:r>
-              <a:rPr lang="en-US"/>
-              <a:t>Automated Reporting and Documentation</a:t>
-            </a:r>
-            <a:endParaRPr lang="en-US"/>
-          </a:p>
-          <a:p>
-            <a:pPr lvl="1"/>
-            <a:r>
-              <a:rPr lang="en-US"/>
-              <a:t>Role of SLMs: SLMs automatically generate and update reports based on real-time data from sensors and human input, summarizing maintenance actions, production stats, and system health.</a:t>
-            </a:r>
-            <a:endParaRPr lang="en-US"/>
-          </a:p>
-          <a:p>
-            <a:pPr lvl="1"/>
-            <a:r>
-              <a:rPr lang="en-US"/>
-              <a:t>Benefit: This saves time and reduces errors, enabling managers and engineers to quickly review operational data without needing a centralized reporting infrastructure.</a:t>
+              <a:t>Small Language Models (SLMs) are deployed on edge devices to enable real-time processing and analysis of language data generated within industrial environments. </a:t>
             </a:r>
             <a:endParaRPr lang="en-US"/>
           </a:p>
@@ -11492,6 +11484,260 @@
 </file>
 
 <file path=ppt/slides/slide40.xml><?xml version="1.0" encoding="utf-8"?>
+<p:sld xmlns:a="http://schemas.openxmlformats.org/drawingml/2006/main" xmlns:r="http://schemas.openxmlformats.org/officeDocument/2006/relationships" xmlns:p="http://schemas.openxmlformats.org/presentationml/2006/main">
+  <p:cSld>
+    <p:spTree>
+      <p:nvGrpSpPr>
+        <p:cNvPr id="1" name=""/>
+        <p:cNvGrpSpPr/>
+        <p:nvPr/>
+      </p:nvGrpSpPr>
+      <p:grpSpPr/>
+      <p:sp>
+        <p:nvSpPr>
+          <p:cNvPr id="2" name="Title 1"/>
+          <p:cNvSpPr>
+            <a:spLocks noGrp="1"/>
+          </p:cNvSpPr>
+          <p:nvPr>
+            <p:ph type="title"/>
+          </p:nvPr>
+        </p:nvSpPr>
+        <p:spPr/>
+        <p:txBody>
+          <a:bodyPr>
+            <a:normAutofit fontScale="90000"/>
+          </a:bodyPr>
+          <a:p>
+            <a:r>
+              <a:rPr lang="en-US"/>
+              <a:t>Use cases where SLMs enhance IIoT applications</a:t>
+            </a:r>
+            <a:endParaRPr lang="en-US"/>
+          </a:p>
+        </p:txBody>
+      </p:sp>
+      <p:sp>
+        <p:nvSpPr>
+          <p:cNvPr id="3" name="Content Placeholder 2"/>
+          <p:cNvSpPr>
+            <a:spLocks noGrp="1"/>
+          </p:cNvSpPr>
+          <p:nvPr>
+            <p:ph idx="1"/>
+          </p:nvPr>
+        </p:nvSpPr>
+        <p:spPr/>
+        <p:txBody>
+          <a:bodyPr>
+            <a:normAutofit fontScale="90000" lnSpcReduction="10000"/>
+          </a:bodyPr>
+          <a:p>
+            <a:r>
+              <a:rPr lang="en-US"/>
+              <a:t>Predictive Maintenance</a:t>
+            </a:r>
+            <a:endParaRPr lang="en-US"/>
+          </a:p>
+          <a:p>
+            <a:pPr lvl="1"/>
+            <a:r>
+              <a:rPr lang="en-US"/>
+              <a:t>Role of SLMs: SLMs can analyze equipment logs, sensor readings, and technician notes directly on the edge, identifying patterns and predicting failures before they happen.</a:t>
+            </a:r>
+            <a:endParaRPr lang="en-US"/>
+          </a:p>
+          <a:p>
+            <a:pPr lvl="1"/>
+            <a:r>
+              <a:rPr lang="en-US"/>
+              <a:t>Benefit: By processing data locally, SLMs enable real-time alerts and rapid decision-making, reducing unplanned downtime and maintenance costs.</a:t>
+            </a:r>
+            <a:endParaRPr lang="en-US"/>
+          </a:p>
+          <a:p>
+            <a:r>
+              <a:rPr lang="en-US"/>
+              <a:t>Anomaly Detection in Production</a:t>
+            </a:r>
+            <a:endParaRPr lang="en-US"/>
+          </a:p>
+          <a:p>
+            <a:pPr lvl="1"/>
+            <a:r>
+              <a:rPr lang="en-US"/>
+              <a:t>Role of SLMs: SLMs process structured and unstructured data from sensors or machine logs, detecting unusual patterns that could indicate malfunctions or inefficiencies.</a:t>
+            </a:r>
+            <a:endParaRPr lang="en-US"/>
+          </a:p>
+          <a:p>
+            <a:pPr lvl="1"/>
+            <a:r>
+              <a:rPr lang="en-US"/>
+              <a:t>Benefit: Early detection of issues helps avoid production halts, improve quality control, and maintain consistent product quality by taking immediate corrective actions.</a:t>
+            </a:r>
+            <a:endParaRPr lang="en-US"/>
+          </a:p>
+        </p:txBody>
+      </p:sp>
+      <p:sp>
+        <p:nvSpPr>
+          <p:cNvPr id="4" name="Slide Number Placeholder 3"/>
+          <p:cNvSpPr>
+            <a:spLocks noGrp="1"/>
+          </p:cNvSpPr>
+          <p:nvPr>
+            <p:ph type="sldNum" sz="quarter" idx="12"/>
+          </p:nvPr>
+        </p:nvSpPr>
+        <p:spPr/>
+        <p:txBody>
+          <a:bodyPr/>
+          <a:p>
+            <a:fld id="{9B618960-8005-486C-9A75-10CB2AAC16F9}" type="slidenum">
+              <a:rPr lang="en-US" smtClean="0"/>
+            </a:fld>
+            <a:endParaRPr lang="en-US"/>
+          </a:p>
+        </p:txBody>
+      </p:sp>
+    </p:spTree>
+  </p:cSld>
+  <p:clrMapOvr>
+    <a:masterClrMapping/>
+  </p:clrMapOvr>
+</p:sld>
+</file>
+
+<file path=ppt/slides/slide41.xml><?xml version="1.0" encoding="utf-8"?>
+<p:sld xmlns:a="http://schemas.openxmlformats.org/drawingml/2006/main" xmlns:r="http://schemas.openxmlformats.org/officeDocument/2006/relationships" xmlns:p="http://schemas.openxmlformats.org/presentationml/2006/main">
+  <p:cSld>
+    <p:spTree>
+      <p:nvGrpSpPr>
+        <p:cNvPr id="1" name=""/>
+        <p:cNvGrpSpPr/>
+        <p:nvPr/>
+      </p:nvGrpSpPr>
+      <p:grpSpPr/>
+      <p:sp>
+        <p:nvSpPr>
+          <p:cNvPr id="2" name="Title 1"/>
+          <p:cNvSpPr>
+            <a:spLocks noGrp="1"/>
+          </p:cNvSpPr>
+          <p:nvPr>
+            <p:ph type="title"/>
+          </p:nvPr>
+        </p:nvSpPr>
+        <p:spPr/>
+        <p:txBody>
+          <a:bodyPr>
+            <a:normAutofit fontScale="90000"/>
+          </a:bodyPr>
+          <a:p>
+            <a:r>
+              <a:rPr lang="en-US">
+                <a:sym typeface="+mn-ea"/>
+              </a:rPr>
+              <a:t>Use cases where SLMs enhance IIoT applications</a:t>
+            </a:r>
+            <a:endParaRPr lang="en-US"/>
+          </a:p>
+        </p:txBody>
+      </p:sp>
+      <p:sp>
+        <p:nvSpPr>
+          <p:cNvPr id="3" name="Content Placeholder 2"/>
+          <p:cNvSpPr>
+            <a:spLocks noGrp="1"/>
+          </p:cNvSpPr>
+          <p:nvPr>
+            <p:ph idx="1"/>
+          </p:nvPr>
+        </p:nvSpPr>
+        <p:spPr/>
+        <p:txBody>
+          <a:bodyPr>
+            <a:normAutofit fontScale="80000"/>
+          </a:bodyPr>
+          <a:p>
+            <a:r>
+              <a:rPr lang="en-US"/>
+              <a:t>Natural Language Interfaces for Technicians</a:t>
+            </a:r>
+            <a:endParaRPr lang="en-US"/>
+          </a:p>
+          <a:p>
+            <a:pPr lvl="1"/>
+            <a:r>
+              <a:rPr lang="en-US"/>
+              <a:t>Role of SLMs: SLMs power on-device voice assistants or text-based interfaces, allowing technicians to query equipment or receive diagnostic information using natural language.</a:t>
+            </a:r>
+            <a:endParaRPr lang="en-US"/>
+          </a:p>
+          <a:p>
+            <a:pPr lvl="1"/>
+            <a:r>
+              <a:rPr lang="en-US"/>
+              <a:t>Benefit: Voice or text interaction simplifies troubleshooting and operation, making complex industrial processes more accessible and reducing training time for operators.</a:t>
+            </a:r>
+            <a:endParaRPr lang="en-US"/>
+          </a:p>
+          <a:p>
+            <a:r>
+              <a:rPr lang="en-US"/>
+              <a:t>Automated Reporting and Documentation</a:t>
+            </a:r>
+            <a:endParaRPr lang="en-US"/>
+          </a:p>
+          <a:p>
+            <a:pPr lvl="1"/>
+            <a:r>
+              <a:rPr lang="en-US"/>
+              <a:t>Role of SLMs: SLMs automatically generate and update reports based on real-time data from sensors and human input, summarizing maintenance actions, production stats, and system health.</a:t>
+            </a:r>
+            <a:endParaRPr lang="en-US"/>
+          </a:p>
+          <a:p>
+            <a:pPr lvl="1"/>
+            <a:r>
+              <a:rPr lang="en-US"/>
+              <a:t>Benefit: This saves time and reduces errors, enabling managers and engineers to quickly review operational data without needing a centralized reporting infrastructure.</a:t>
+            </a:r>
+            <a:endParaRPr lang="en-US"/>
+          </a:p>
+        </p:txBody>
+      </p:sp>
+      <p:sp>
+        <p:nvSpPr>
+          <p:cNvPr id="4" name="Slide Number Placeholder 3"/>
+          <p:cNvSpPr>
+            <a:spLocks noGrp="1"/>
+          </p:cNvSpPr>
+          <p:nvPr>
+            <p:ph type="sldNum" sz="quarter" idx="12"/>
+          </p:nvPr>
+        </p:nvSpPr>
+        <p:spPr/>
+        <p:txBody>
+          <a:bodyPr/>
+          <a:p>
+            <a:fld id="{9B618960-8005-486C-9A75-10CB2AAC16F9}" type="slidenum">
+              <a:rPr lang="en-US" smtClean="0"/>
+            </a:fld>
+            <a:endParaRPr lang="en-US"/>
+          </a:p>
+        </p:txBody>
+      </p:sp>
+    </p:spTree>
+  </p:cSld>
+  <p:clrMapOvr>
+    <a:masterClrMapping/>
+  </p:clrMapOvr>
+</p:sld>
+</file>
+
+<file path=ppt/slides/slide42.xml><?xml version="1.0" encoding="utf-8"?>
 <p:sld xmlns:a="http://schemas.openxmlformats.org/drawingml/2006/main" xmlns:r="http://schemas.openxmlformats.org/officeDocument/2006/relationships" xmlns:p="http://schemas.openxmlformats.org/presentationml/2006/main">
   <p:cSld>
     <p:spTree>
@@ -11778,7 +12024,7 @@
         </p:blipFill>
         <p:spPr bwMode="auto">
           <a:xfrm>
-            <a:off x="838200" y="1173728"/>
+            <a:off x="719455" y="1359783"/>
             <a:ext cx="10458451" cy="5162551"/>
           </a:xfrm>
           <a:prstGeom prst="rect">
@@ -11986,7 +12232,12 @@
             <p:ph idx="1"/>
           </p:nvPr>
         </p:nvSpPr>
-        <p:spPr/>
+        <p:spPr>
+          <a:xfrm>
+            <a:off x="838200" y="1825625"/>
+            <a:ext cx="10515600" cy="4791075"/>
+          </a:xfrm>
+        </p:spPr>
         <p:txBody>
           <a:bodyPr>
             <a:normAutofit fontScale="70000"/>
@@ -12009,18 +12260,18 @@
           <a:p>
             <a:pPr lvl="1"/>
             <a:r>
-              <a:rPr lang="en-US"/>
+              <a:rPr lang="en-US" b="1"/>
               <a:t>Useful when you have a large dataset similar to the original training data of the pre-trained model.</a:t>
             </a:r>
-            <a:endParaRPr lang="en-US"/>
+            <a:endParaRPr lang="en-US" b="1"/>
           </a:p>
           <a:p>
             <a:pPr lvl="1"/>
             <a:r>
-              <a:rPr lang="en-US"/>
+              <a:rPr lang="en-US" b="1"/>
               <a:t>Allows the model to learn new features specific to the target data but requires more computational resources.</a:t>
             </a:r>
-            <a:endParaRPr lang="en-US"/>
+            <a:endParaRPr lang="en-US" b="1"/>
           </a:p>
           <a:p>
             <a:r>
@@ -12040,18 +12291,18 @@
           <a:p>
             <a:pPr lvl="1"/>
             <a:r>
-              <a:rPr lang="en-US"/>
+              <a:rPr lang="en-US" b="1"/>
               <a:t>Effective if the dataset is small or somewhat different from the original dataset.</a:t>
             </a:r>
-            <a:endParaRPr lang="en-US"/>
+            <a:endParaRPr lang="en-US" b="1"/>
           </a:p>
           <a:p>
             <a:pPr lvl="1"/>
             <a:r>
-              <a:rPr lang="en-US"/>
+              <a:rPr lang="en-US" b="1"/>
               <a:t>Reduces computation by not updating all layers, allowing the model to retain lower-level features while adapting higher-level ones.</a:t>
             </a:r>
-            <a:endParaRPr lang="en-US"/>
+            <a:endParaRPr lang="en-US" b="1"/>
           </a:p>
           <a:p>
             <a:r>
@@ -12071,18 +12322,18 @@
           <a:p>
             <a:pPr lvl="1"/>
             <a:r>
-              <a:rPr lang="en-US"/>
+              <a:rPr lang="en-US" b="1"/>
               <a:t>Best when you have a very small dataset or need to transfer the features without altering the main learned representations.</a:t>
             </a:r>
-            <a:endParaRPr lang="en-US"/>
+            <a:endParaRPr lang="en-US" b="1"/>
           </a:p>
           <a:p>
             <a:pPr lvl="1"/>
             <a:r>
-              <a:rPr lang="en-US"/>
+              <a:rPr lang="en-US" b="1"/>
               <a:t>Significantly reduces computation and prevents overfitting, as only the classifier head is trained.</a:t>
             </a:r>
-            <a:endParaRPr lang="en-US"/>
+            <a:endParaRPr lang="en-US" b="1"/>
           </a:p>
         </p:txBody>
       </p:sp>
@@ -12156,7 +12407,14 @@
           <a:p>
             <a:r>
               <a:rPr lang="en-US" sz="5600" dirty="0"/>
-              <a:t>Transfer Learning </a:t>
+              <a:t>Transfer Learning</a:t>
+            </a:r>
+            <a:br>
+              <a:rPr lang="en-US" sz="5600" dirty="0"/>
+            </a:br>
+            <a:r>
+              <a:rPr lang="en-US" sz="5600" dirty="0"/>
+              <a:t>in CV </a:t>
             </a:r>
             <a:endParaRPr lang="en-US" sz="5600" dirty="0"/>
           </a:p>
